--- a/HoI4/SCP_EQ_Tools/SCP_EQ_Tools/_SCP_EQ_Tools_assets/CHI_Flag.pptx
+++ b/HoI4/SCP_EQ_Tools/SCP_EQ_Tools/_SCP_EQ_Tools_assets/CHI_Flag.pptx
@@ -5,7 +5,7 @@
     <p:sldMasterId id="2147483660" r:id="rId1"/>
   </p:sldMasterIdLst>
   <p:notesMasterIdLst>
-    <p:notesMasterId r:id="rId15"/>
+    <p:notesMasterId r:id="rId16"/>
   </p:notesMasterIdLst>
   <p:sldIdLst>
     <p:sldId id="256" r:id="rId2"/>
@@ -16,11 +16,12 @@
     <p:sldId id="265" r:id="rId7"/>
     <p:sldId id="266" r:id="rId8"/>
     <p:sldId id="267" r:id="rId9"/>
-    <p:sldId id="268" r:id="rId10"/>
-    <p:sldId id="257" r:id="rId11"/>
-    <p:sldId id="258" r:id="rId12"/>
-    <p:sldId id="259" r:id="rId13"/>
-    <p:sldId id="260" r:id="rId14"/>
+    <p:sldId id="269" r:id="rId10"/>
+    <p:sldId id="268" r:id="rId11"/>
+    <p:sldId id="257" r:id="rId12"/>
+    <p:sldId id="258" r:id="rId13"/>
+    <p:sldId id="259" r:id="rId14"/>
+    <p:sldId id="260" r:id="rId15"/>
   </p:sldIdLst>
   <p:sldSz cx="10814050" cy="6858000"/>
   <p:notesSz cx="6858000" cy="9144000"/>
@@ -209,7 +210,7 @@
           <a:p>
             <a:fld id="{AD9DFCFE-27DA-48B2-9B07-B4C20CD6C499}" type="datetimeFigureOut">
               <a:rPr lang="zh-CN" altLang="en-US" smtClean="0"/>
-              <a:t>2025/9/24</a:t>
+              <a:t>2026/2/1</a:t>
             </a:fld>
             <a:endParaRPr lang="zh-CN" altLang="en-US"/>
           </a:p>
@@ -585,6 +586,114 @@
 </p:notes>
 </file>
 
+<file path=ppt/notesSlides/notesSlide10.xml><?xml version="1.0" encoding="utf-8"?>
+<p:notes xmlns:a="http://schemas.openxmlformats.org/drawingml/2006/main" xmlns:r="http://schemas.openxmlformats.org/officeDocument/2006/relationships" xmlns:p="http://schemas.openxmlformats.org/presentationml/2006/main">
+  <p:cSld>
+    <p:spTree>
+      <p:nvGrpSpPr>
+        <p:cNvPr id="1" name=""/>
+        <p:cNvGrpSpPr/>
+        <p:nvPr/>
+      </p:nvGrpSpPr>
+      <p:grpSpPr>
+        <a:xfrm>
+          <a:off x="0" y="0"/>
+          <a:ext cx="0" cy="0"/>
+          <a:chOff x="0" y="0"/>
+          <a:chExt cx="0" cy="0"/>
+        </a:xfrm>
+      </p:grpSpPr>
+      <p:sp>
+        <p:nvSpPr>
+          <p:cNvPr id="2" name="投影片圖像版面配置區 1"/>
+          <p:cNvSpPr>
+            <a:spLocks noGrp="1" noRot="1" noChangeAspect="1"/>
+          </p:cNvSpPr>
+          <p:nvPr>
+            <p:ph type="sldImg"/>
+          </p:nvPr>
+        </p:nvSpPr>
+        <p:spPr/>
+      </p:sp>
+      <p:sp>
+        <p:nvSpPr>
+          <p:cNvPr id="3" name="備忘稿版面配置區 2"/>
+          <p:cNvSpPr>
+            <a:spLocks noGrp="1"/>
+          </p:cNvSpPr>
+          <p:nvPr>
+            <p:ph type="body" idx="1"/>
+          </p:nvPr>
+        </p:nvSpPr>
+        <p:spPr/>
+        <p:txBody>
+          <a:bodyPr/>
+          <a:lstStyle/>
+          <a:p>
+            <a:pPr marL="0" marR="0" lvl="0" indent="0" algn="l" defTabSz="914400" rtl="0" eaLnBrk="1" fontAlgn="auto" latinLnBrk="0" hangingPunct="1">
+              <a:lnSpc>
+                <a:spcPct val="100000"/>
+              </a:lnSpc>
+              <a:spcBef>
+                <a:spcPts val="0"/>
+              </a:spcBef>
+              <a:spcAft>
+                <a:spcPts val="0"/>
+              </a:spcAft>
+              <a:buClrTx/>
+              <a:buSzTx/>
+              <a:buFontTx/>
+              <a:buNone/>
+              <a:tabLst/>
+              <a:defRPr/>
+            </a:pPr>
+            <a:r>
+              <a:rPr lang="en-US" altLang="zh-CN" smtClean="0"/>
+              <a:t>HoI4 national flag size: 82x52, 41x26, 10x7</a:t>
+            </a:r>
+            <a:endParaRPr lang="zh-CN" altLang="en-US" smtClean="0"/>
+          </a:p>
+          <a:p>
+            <a:endParaRPr lang="zh-CN" altLang="en-US"/>
+          </a:p>
+        </p:txBody>
+      </p:sp>
+      <p:sp>
+        <p:nvSpPr>
+          <p:cNvPr id="4" name="投影片編號版面配置區 3"/>
+          <p:cNvSpPr>
+            <a:spLocks noGrp="1"/>
+          </p:cNvSpPr>
+          <p:nvPr>
+            <p:ph type="sldNum" sz="quarter" idx="10"/>
+          </p:nvPr>
+        </p:nvSpPr>
+        <p:spPr/>
+        <p:txBody>
+          <a:bodyPr/>
+          <a:lstStyle/>
+          <a:p>
+            <a:fld id="{C41E944E-3654-452D-9BBA-0D643D0DFAC8}" type="slidenum">
+              <a:rPr lang="zh-CN" altLang="en-US" smtClean="0"/>
+              <a:t>10</a:t>
+            </a:fld>
+            <a:endParaRPr lang="zh-CN" altLang="en-US"/>
+          </a:p>
+        </p:txBody>
+      </p:sp>
+    </p:spTree>
+    <p:extLst>
+      <p:ext uri="{BB962C8B-B14F-4D97-AF65-F5344CB8AC3E}">
+        <p14:creationId xmlns:p14="http://schemas.microsoft.com/office/powerpoint/2010/main" val="1879430741"/>
+      </p:ext>
+    </p:extLst>
+  </p:cSld>
+  <p:clrMapOvr>
+    <a:masterClrMapping/>
+  </p:clrMapOvr>
+</p:notes>
+</file>
+
 <file path=ppt/notesSlides/notesSlide2.xml><?xml version="1.0" encoding="utf-8"?>
 <p:notes xmlns:a="http://schemas.openxmlformats.org/drawingml/2006/main" xmlns:r="http://schemas.openxmlformats.org/officeDocument/2006/relationships" xmlns:p="http://schemas.openxmlformats.org/presentationml/2006/main">
   <p:cSld>
@@ -1439,7 +1548,7 @@
     </p:spTree>
     <p:extLst>
       <p:ext uri="{BB962C8B-B14F-4D97-AF65-F5344CB8AC3E}">
-        <p14:creationId xmlns:p14="http://schemas.microsoft.com/office/powerpoint/2010/main" val="1879430741"/>
+        <p14:creationId xmlns:p14="http://schemas.microsoft.com/office/powerpoint/2010/main" val="4185031557"/>
       </p:ext>
     </p:extLst>
   </p:cSld>
@@ -1580,7 +1689,7 @@
           <a:p>
             <a:fld id="{ED2EBBB6-B2F7-45FE-8FEE-172CAE584435}" type="datetimeFigureOut">
               <a:rPr lang="zh-CN" altLang="en-US" smtClean="0"/>
-              <a:t>2025/9/24</a:t>
+              <a:t>2026/2/1</a:t>
             </a:fld>
             <a:endParaRPr lang="zh-CN" altLang="en-US"/>
           </a:p>
@@ -1750,7 +1859,7 @@
           <a:p>
             <a:fld id="{ED2EBBB6-B2F7-45FE-8FEE-172CAE584435}" type="datetimeFigureOut">
               <a:rPr lang="zh-CN" altLang="en-US" smtClean="0"/>
-              <a:t>2025/9/24</a:t>
+              <a:t>2026/2/1</a:t>
             </a:fld>
             <a:endParaRPr lang="zh-CN" altLang="en-US"/>
           </a:p>
@@ -1930,7 +2039,7 @@
           <a:p>
             <a:fld id="{ED2EBBB6-B2F7-45FE-8FEE-172CAE584435}" type="datetimeFigureOut">
               <a:rPr lang="zh-CN" altLang="en-US" smtClean="0"/>
-              <a:t>2025/9/24</a:t>
+              <a:t>2026/2/1</a:t>
             </a:fld>
             <a:endParaRPr lang="zh-CN" altLang="en-US"/>
           </a:p>
@@ -2100,7 +2209,7 @@
           <a:p>
             <a:fld id="{ED2EBBB6-B2F7-45FE-8FEE-172CAE584435}" type="datetimeFigureOut">
               <a:rPr lang="zh-CN" altLang="en-US" smtClean="0"/>
-              <a:t>2025/9/24</a:t>
+              <a:t>2026/2/1</a:t>
             </a:fld>
             <a:endParaRPr lang="zh-CN" altLang="en-US"/>
           </a:p>
@@ -2346,7 +2455,7 @@
           <a:p>
             <a:fld id="{ED2EBBB6-B2F7-45FE-8FEE-172CAE584435}" type="datetimeFigureOut">
               <a:rPr lang="zh-CN" altLang="en-US" smtClean="0"/>
-              <a:t>2025/9/24</a:t>
+              <a:t>2026/2/1</a:t>
             </a:fld>
             <a:endParaRPr lang="zh-CN" altLang="en-US"/>
           </a:p>
@@ -2578,7 +2687,7 @@
           <a:p>
             <a:fld id="{ED2EBBB6-B2F7-45FE-8FEE-172CAE584435}" type="datetimeFigureOut">
               <a:rPr lang="zh-CN" altLang="en-US" smtClean="0"/>
-              <a:t>2025/9/24</a:t>
+              <a:t>2026/2/1</a:t>
             </a:fld>
             <a:endParaRPr lang="zh-CN" altLang="en-US"/>
           </a:p>
@@ -2945,7 +3054,7 @@
           <a:p>
             <a:fld id="{ED2EBBB6-B2F7-45FE-8FEE-172CAE584435}" type="datetimeFigureOut">
               <a:rPr lang="zh-CN" altLang="en-US" smtClean="0"/>
-              <a:t>2025/9/24</a:t>
+              <a:t>2026/2/1</a:t>
             </a:fld>
             <a:endParaRPr lang="zh-CN" altLang="en-US"/>
           </a:p>
@@ -3063,7 +3172,7 @@
           <a:p>
             <a:fld id="{ED2EBBB6-B2F7-45FE-8FEE-172CAE584435}" type="datetimeFigureOut">
               <a:rPr lang="zh-CN" altLang="en-US" smtClean="0"/>
-              <a:t>2025/9/24</a:t>
+              <a:t>2026/2/1</a:t>
             </a:fld>
             <a:endParaRPr lang="zh-CN" altLang="en-US"/>
           </a:p>
@@ -3158,7 +3267,7 @@
           <a:p>
             <a:fld id="{ED2EBBB6-B2F7-45FE-8FEE-172CAE584435}" type="datetimeFigureOut">
               <a:rPr lang="zh-CN" altLang="en-US" smtClean="0"/>
-              <a:t>2025/9/24</a:t>
+              <a:t>2026/2/1</a:t>
             </a:fld>
             <a:endParaRPr lang="zh-CN" altLang="en-US"/>
           </a:p>
@@ -3435,7 +3544,7 @@
           <a:p>
             <a:fld id="{ED2EBBB6-B2F7-45FE-8FEE-172CAE584435}" type="datetimeFigureOut">
               <a:rPr lang="zh-CN" altLang="en-US" smtClean="0"/>
-              <a:t>2025/9/24</a:t>
+              <a:t>2026/2/1</a:t>
             </a:fld>
             <a:endParaRPr lang="zh-CN" altLang="en-US"/>
           </a:p>
@@ -3692,7 +3801,7 @@
           <a:p>
             <a:fld id="{ED2EBBB6-B2F7-45FE-8FEE-172CAE584435}" type="datetimeFigureOut">
               <a:rPr lang="zh-CN" altLang="en-US" smtClean="0"/>
-              <a:t>2025/9/24</a:t>
+              <a:t>2026/2/1</a:t>
             </a:fld>
             <a:endParaRPr lang="zh-CN" altLang="en-US"/>
           </a:p>
@@ -3905,7 +4014,7 @@
           <a:p>
             <a:fld id="{ED2EBBB6-B2F7-45FE-8FEE-172CAE584435}" type="datetimeFigureOut">
               <a:rPr lang="zh-CN" altLang="en-US" smtClean="0"/>
-              <a:t>2025/9/24</a:t>
+              <a:t>2026/2/1</a:t>
             </a:fld>
             <a:endParaRPr lang="zh-CN" altLang="en-US"/>
           </a:p>
@@ -5105,6 +5214,939 @@
           <a:chExt cx="0" cy="0"/>
         </a:xfrm>
       </p:grpSpPr>
+      <p:sp>
+        <p:nvSpPr>
+          <p:cNvPr id="5" name="矩形 4"/>
+          <p:cNvSpPr/>
+          <p:nvPr/>
+        </p:nvSpPr>
+        <p:spPr>
+          <a:xfrm>
+            <a:off x="1976050" y="0"/>
+            <a:ext cx="8838000" cy="6858000"/>
+          </a:xfrm>
+          <a:prstGeom prst="rect">
+            <a:avLst/>
+          </a:prstGeom>
+          <a:solidFill>
+            <a:srgbClr val="FE0000"/>
+          </a:solidFill>
+          <a:ln w="19050">
+            <a:noFill/>
+          </a:ln>
+        </p:spPr>
+        <p:style>
+          <a:lnRef idx="2">
+            <a:schemeClr val="accent1">
+              <a:shade val="50000"/>
+            </a:schemeClr>
+          </a:lnRef>
+          <a:fillRef idx="1">
+            <a:schemeClr val="accent1"/>
+          </a:fillRef>
+          <a:effectRef idx="0">
+            <a:schemeClr val="accent1"/>
+          </a:effectRef>
+          <a:fontRef idx="minor">
+            <a:schemeClr val="lt1"/>
+          </a:fontRef>
+        </p:style>
+        <p:txBody>
+          <a:bodyPr rtlCol="0" anchor="ctr"/>
+          <a:lstStyle/>
+          <a:p>
+            <a:pPr algn="ctr"/>
+            <a:endParaRPr lang="zh-CN" altLang="en-US"/>
+          </a:p>
+        </p:txBody>
+      </p:sp>
+      <p:sp>
+        <p:nvSpPr>
+          <p:cNvPr id="6" name="矩形 5"/>
+          <p:cNvSpPr/>
+          <p:nvPr/>
+        </p:nvSpPr>
+        <p:spPr>
+          <a:xfrm>
+            <a:off x="1976050" y="0"/>
+            <a:ext cx="3431150" cy="3430800"/>
+          </a:xfrm>
+          <a:prstGeom prst="rect">
+            <a:avLst/>
+          </a:prstGeom>
+          <a:solidFill>
+            <a:srgbClr val="0000AA"/>
+          </a:solidFill>
+          <a:ln w="19050">
+            <a:noFill/>
+          </a:ln>
+        </p:spPr>
+        <p:style>
+          <a:lnRef idx="2">
+            <a:schemeClr val="accent1">
+              <a:shade val="50000"/>
+            </a:schemeClr>
+          </a:lnRef>
+          <a:fillRef idx="1">
+            <a:schemeClr val="accent1"/>
+          </a:fillRef>
+          <a:effectRef idx="0">
+            <a:schemeClr val="accent1"/>
+          </a:effectRef>
+          <a:fontRef idx="minor">
+            <a:schemeClr val="lt1"/>
+          </a:fontRef>
+        </p:style>
+        <p:txBody>
+          <a:bodyPr rtlCol="0" anchor="ctr"/>
+          <a:lstStyle/>
+          <a:p>
+            <a:pPr algn="ctr"/>
+            <a:endParaRPr lang="zh-CN" altLang="en-US"/>
+          </a:p>
+        </p:txBody>
+      </p:sp>
+      <p:grpSp>
+        <p:nvGrpSpPr>
+          <p:cNvPr id="7" name="群組 6"/>
+          <p:cNvGrpSpPr/>
+          <p:nvPr/>
+        </p:nvGrpSpPr>
+        <p:grpSpPr>
+          <a:xfrm>
+            <a:off x="2392415" y="416190"/>
+            <a:ext cx="2598419" cy="2598419"/>
+            <a:chOff x="3238500" y="571501"/>
+            <a:chExt cx="5715000" cy="5714999"/>
+          </a:xfrm>
+        </p:grpSpPr>
+        <p:sp>
+          <p:nvSpPr>
+            <p:cNvPr id="8" name="手繪多邊形 7"/>
+            <p:cNvSpPr/>
+            <p:nvPr/>
+          </p:nvSpPr>
+          <p:spPr>
+            <a:xfrm>
+              <a:off x="3238500" y="571501"/>
+              <a:ext cx="5715000" cy="5714999"/>
+            </a:xfrm>
+            <a:custGeom>
+              <a:avLst/>
+              <a:gdLst>
+                <a:gd name="connsiteX0" fmla="*/ 2509980 w 5715000"/>
+                <a:gd name="connsiteY0" fmla="*/ 4439178 h 5714999"/>
+                <a:gd name="connsiteX1" fmla="*/ 2531014 w 5715000"/>
+                <a:gd name="connsiteY1" fmla="*/ 4444587 h 5714999"/>
+                <a:gd name="connsiteX2" fmla="*/ 2857500 w 5715000"/>
+                <a:gd name="connsiteY2" fmla="*/ 4477499 h 5714999"/>
+                <a:gd name="connsiteX3" fmla="*/ 3183987 w 5715000"/>
+                <a:gd name="connsiteY3" fmla="*/ 4444587 h 5714999"/>
+                <a:gd name="connsiteX4" fmla="*/ 3205020 w 5715000"/>
+                <a:gd name="connsiteY4" fmla="*/ 4439178 h 5714999"/>
+                <a:gd name="connsiteX5" fmla="*/ 2857500 w 5715000"/>
+                <a:gd name="connsiteY5" fmla="*/ 5714999 h 5714999"/>
+                <a:gd name="connsiteX6" fmla="*/ 3948943 w 5715000"/>
+                <a:gd name="connsiteY6" fmla="*/ 4052155 h 5714999"/>
+                <a:gd name="connsiteX7" fmla="*/ 4286250 w 5715000"/>
+                <a:gd name="connsiteY7" fmla="*/ 5332167 h 5714999"/>
+                <a:gd name="connsiteX8" fmla="*/ 3347861 w 5715000"/>
+                <a:gd name="connsiteY8" fmla="*/ 4401512 h 5714999"/>
+                <a:gd name="connsiteX9" fmla="*/ 3488077 w 5715000"/>
+                <a:gd name="connsiteY9" fmla="*/ 4350192 h 5714999"/>
+                <a:gd name="connsiteX10" fmla="*/ 3887970 w 5715000"/>
+                <a:gd name="connsiteY10" fmla="*/ 4107570 h 5714999"/>
+                <a:gd name="connsiteX11" fmla="*/ 1766057 w 5715000"/>
+                <a:gd name="connsiteY11" fmla="*/ 4052154 h 5714999"/>
+                <a:gd name="connsiteX12" fmla="*/ 1827030 w 5715000"/>
+                <a:gd name="connsiteY12" fmla="*/ 4107570 h 5714999"/>
+                <a:gd name="connsiteX13" fmla="*/ 2226923 w 5715000"/>
+                <a:gd name="connsiteY13" fmla="*/ 4350192 h 5714999"/>
+                <a:gd name="connsiteX14" fmla="*/ 2367139 w 5715000"/>
+                <a:gd name="connsiteY14" fmla="*/ 4401511 h 5714999"/>
+                <a:gd name="connsiteX15" fmla="*/ 1428749 w 5715000"/>
+                <a:gd name="connsiteY15" fmla="*/ 5332167 h 5714999"/>
+                <a:gd name="connsiteX16" fmla="*/ 4401512 w 5715000"/>
+                <a:gd name="connsiteY16" fmla="*/ 3347860 h 5714999"/>
+                <a:gd name="connsiteX17" fmla="*/ 5332166 w 5715000"/>
+                <a:gd name="connsiteY17" fmla="*/ 4286249 h 5714999"/>
+                <a:gd name="connsiteX18" fmla="*/ 4052155 w 5715000"/>
+                <a:gd name="connsiteY18" fmla="*/ 3948942 h 5714999"/>
+                <a:gd name="connsiteX19" fmla="*/ 4107571 w 5715000"/>
+                <a:gd name="connsiteY19" fmla="*/ 3887970 h 5714999"/>
+                <a:gd name="connsiteX20" fmla="*/ 4350193 w 5715000"/>
+                <a:gd name="connsiteY20" fmla="*/ 3488076 h 5714999"/>
+                <a:gd name="connsiteX21" fmla="*/ 1313488 w 5715000"/>
+                <a:gd name="connsiteY21" fmla="*/ 3347859 h 5714999"/>
+                <a:gd name="connsiteX22" fmla="*/ 1364808 w 5715000"/>
+                <a:gd name="connsiteY22" fmla="*/ 3488076 h 5714999"/>
+                <a:gd name="connsiteX23" fmla="*/ 1607430 w 5715000"/>
+                <a:gd name="connsiteY23" fmla="*/ 3887970 h 5714999"/>
+                <a:gd name="connsiteX24" fmla="*/ 1662845 w 5715000"/>
+                <a:gd name="connsiteY24" fmla="*/ 3948941 h 5714999"/>
+                <a:gd name="connsiteX25" fmla="*/ 382831 w 5715000"/>
+                <a:gd name="connsiteY25" fmla="*/ 4286249 h 5714999"/>
+                <a:gd name="connsiteX26" fmla="*/ 4439179 w 5715000"/>
+                <a:gd name="connsiteY26" fmla="*/ 2509980 h 5714999"/>
+                <a:gd name="connsiteX27" fmla="*/ 5715000 w 5715000"/>
+                <a:gd name="connsiteY27" fmla="*/ 2857500 h 5714999"/>
+                <a:gd name="connsiteX28" fmla="*/ 4439179 w 5715000"/>
+                <a:gd name="connsiteY28" fmla="*/ 3205020 h 5714999"/>
+                <a:gd name="connsiteX29" fmla="*/ 4444588 w 5715000"/>
+                <a:gd name="connsiteY29" fmla="*/ 3183986 h 5714999"/>
+                <a:gd name="connsiteX30" fmla="*/ 4477500 w 5715000"/>
+                <a:gd name="connsiteY30" fmla="*/ 2857499 h 5714999"/>
+                <a:gd name="connsiteX31" fmla="*/ 4444588 w 5715000"/>
+                <a:gd name="connsiteY31" fmla="*/ 2531013 h 5714999"/>
+                <a:gd name="connsiteX32" fmla="*/ 1275821 w 5715000"/>
+                <a:gd name="connsiteY32" fmla="*/ 2509980 h 5714999"/>
+                <a:gd name="connsiteX33" fmla="*/ 1270413 w 5715000"/>
+                <a:gd name="connsiteY33" fmla="*/ 2531013 h 5714999"/>
+                <a:gd name="connsiteX34" fmla="*/ 1237500 w 5715000"/>
+                <a:gd name="connsiteY34" fmla="*/ 2857499 h 5714999"/>
+                <a:gd name="connsiteX35" fmla="*/ 1270413 w 5715000"/>
+                <a:gd name="connsiteY35" fmla="*/ 3183986 h 5714999"/>
+                <a:gd name="connsiteX36" fmla="*/ 1275821 w 5715000"/>
+                <a:gd name="connsiteY36" fmla="*/ 3205020 h 5714999"/>
+                <a:gd name="connsiteX37" fmla="*/ 0 w 5715000"/>
+                <a:gd name="connsiteY37" fmla="*/ 2857500 h 5714999"/>
+                <a:gd name="connsiteX38" fmla="*/ 5332166 w 5715000"/>
+                <a:gd name="connsiteY38" fmla="*/ 1428750 h 5714999"/>
+                <a:gd name="connsiteX39" fmla="*/ 4401512 w 5715000"/>
+                <a:gd name="connsiteY39" fmla="*/ 2367137 h 5714999"/>
+                <a:gd name="connsiteX40" fmla="*/ 4350193 w 5715000"/>
+                <a:gd name="connsiteY40" fmla="*/ 2226922 h 5714999"/>
+                <a:gd name="connsiteX41" fmla="*/ 4107571 w 5715000"/>
+                <a:gd name="connsiteY41" fmla="*/ 1827029 h 5714999"/>
+                <a:gd name="connsiteX42" fmla="*/ 4052155 w 5715000"/>
+                <a:gd name="connsiteY42" fmla="*/ 1766056 h 5714999"/>
+                <a:gd name="connsiteX43" fmla="*/ 382832 w 5715000"/>
+                <a:gd name="connsiteY43" fmla="*/ 1428750 h 5714999"/>
+                <a:gd name="connsiteX44" fmla="*/ 1662845 w 5715000"/>
+                <a:gd name="connsiteY44" fmla="*/ 1766057 h 5714999"/>
+                <a:gd name="connsiteX45" fmla="*/ 1607430 w 5715000"/>
+                <a:gd name="connsiteY45" fmla="*/ 1827029 h 5714999"/>
+                <a:gd name="connsiteX46" fmla="*/ 1364808 w 5715000"/>
+                <a:gd name="connsiteY46" fmla="*/ 2226922 h 5714999"/>
+                <a:gd name="connsiteX47" fmla="*/ 1313488 w 5715000"/>
+                <a:gd name="connsiteY47" fmla="*/ 2367139 h 5714999"/>
+                <a:gd name="connsiteX48" fmla="*/ 4286250 w 5715000"/>
+                <a:gd name="connsiteY48" fmla="*/ 382832 h 5714999"/>
+                <a:gd name="connsiteX49" fmla="*/ 3948943 w 5715000"/>
+                <a:gd name="connsiteY49" fmla="*/ 1662844 h 5714999"/>
+                <a:gd name="connsiteX50" fmla="*/ 3887970 w 5715000"/>
+                <a:gd name="connsiteY50" fmla="*/ 1607429 h 5714999"/>
+                <a:gd name="connsiteX51" fmla="*/ 3488077 w 5715000"/>
+                <a:gd name="connsiteY51" fmla="*/ 1364807 h 5714999"/>
+                <a:gd name="connsiteX52" fmla="*/ 3347861 w 5715000"/>
+                <a:gd name="connsiteY52" fmla="*/ 1313487 h 5714999"/>
+                <a:gd name="connsiteX53" fmla="*/ 1428749 w 5715000"/>
+                <a:gd name="connsiteY53" fmla="*/ 382832 h 5714999"/>
+                <a:gd name="connsiteX54" fmla="*/ 2367139 w 5715000"/>
+                <a:gd name="connsiteY54" fmla="*/ 1313487 h 5714999"/>
+                <a:gd name="connsiteX55" fmla="*/ 2226923 w 5715000"/>
+                <a:gd name="connsiteY55" fmla="*/ 1364807 h 5714999"/>
+                <a:gd name="connsiteX56" fmla="*/ 1827030 w 5715000"/>
+                <a:gd name="connsiteY56" fmla="*/ 1607429 h 5714999"/>
+                <a:gd name="connsiteX57" fmla="*/ 1766057 w 5715000"/>
+                <a:gd name="connsiteY57" fmla="*/ 1662845 h 5714999"/>
+                <a:gd name="connsiteX58" fmla="*/ 2857500 w 5715000"/>
+                <a:gd name="connsiteY58" fmla="*/ 0 h 5714999"/>
+                <a:gd name="connsiteX59" fmla="*/ 3205019 w 5715000"/>
+                <a:gd name="connsiteY59" fmla="*/ 1275820 h 5714999"/>
+                <a:gd name="connsiteX60" fmla="*/ 3183987 w 5715000"/>
+                <a:gd name="connsiteY60" fmla="*/ 1270412 h 5714999"/>
+                <a:gd name="connsiteX61" fmla="*/ 2857500 w 5715000"/>
+                <a:gd name="connsiteY61" fmla="*/ 1237499 h 5714999"/>
+                <a:gd name="connsiteX62" fmla="*/ 2531014 w 5715000"/>
+                <a:gd name="connsiteY62" fmla="*/ 1270412 h 5714999"/>
+                <a:gd name="connsiteX63" fmla="*/ 2509980 w 5715000"/>
+                <a:gd name="connsiteY63" fmla="*/ 1275820 h 5714999"/>
+              </a:gdLst>
+              <a:ahLst/>
+              <a:cxnLst>
+                <a:cxn ang="0">
+                  <a:pos x="connsiteX0" y="connsiteY0"/>
+                </a:cxn>
+                <a:cxn ang="0">
+                  <a:pos x="connsiteX1" y="connsiteY1"/>
+                </a:cxn>
+                <a:cxn ang="0">
+                  <a:pos x="connsiteX2" y="connsiteY2"/>
+                </a:cxn>
+                <a:cxn ang="0">
+                  <a:pos x="connsiteX3" y="connsiteY3"/>
+                </a:cxn>
+                <a:cxn ang="0">
+                  <a:pos x="connsiteX4" y="connsiteY4"/>
+                </a:cxn>
+                <a:cxn ang="0">
+                  <a:pos x="connsiteX5" y="connsiteY5"/>
+                </a:cxn>
+                <a:cxn ang="0">
+                  <a:pos x="connsiteX6" y="connsiteY6"/>
+                </a:cxn>
+                <a:cxn ang="0">
+                  <a:pos x="connsiteX7" y="connsiteY7"/>
+                </a:cxn>
+                <a:cxn ang="0">
+                  <a:pos x="connsiteX8" y="connsiteY8"/>
+                </a:cxn>
+                <a:cxn ang="0">
+                  <a:pos x="connsiteX9" y="connsiteY9"/>
+                </a:cxn>
+                <a:cxn ang="0">
+                  <a:pos x="connsiteX10" y="connsiteY10"/>
+                </a:cxn>
+                <a:cxn ang="0">
+                  <a:pos x="connsiteX11" y="connsiteY11"/>
+                </a:cxn>
+                <a:cxn ang="0">
+                  <a:pos x="connsiteX12" y="connsiteY12"/>
+                </a:cxn>
+                <a:cxn ang="0">
+                  <a:pos x="connsiteX13" y="connsiteY13"/>
+                </a:cxn>
+                <a:cxn ang="0">
+                  <a:pos x="connsiteX14" y="connsiteY14"/>
+                </a:cxn>
+                <a:cxn ang="0">
+                  <a:pos x="connsiteX15" y="connsiteY15"/>
+                </a:cxn>
+                <a:cxn ang="0">
+                  <a:pos x="connsiteX16" y="connsiteY16"/>
+                </a:cxn>
+                <a:cxn ang="0">
+                  <a:pos x="connsiteX17" y="connsiteY17"/>
+                </a:cxn>
+                <a:cxn ang="0">
+                  <a:pos x="connsiteX18" y="connsiteY18"/>
+                </a:cxn>
+                <a:cxn ang="0">
+                  <a:pos x="connsiteX19" y="connsiteY19"/>
+                </a:cxn>
+                <a:cxn ang="0">
+                  <a:pos x="connsiteX20" y="connsiteY20"/>
+                </a:cxn>
+                <a:cxn ang="0">
+                  <a:pos x="connsiteX21" y="connsiteY21"/>
+                </a:cxn>
+                <a:cxn ang="0">
+                  <a:pos x="connsiteX22" y="connsiteY22"/>
+                </a:cxn>
+                <a:cxn ang="0">
+                  <a:pos x="connsiteX23" y="connsiteY23"/>
+                </a:cxn>
+                <a:cxn ang="0">
+                  <a:pos x="connsiteX24" y="connsiteY24"/>
+                </a:cxn>
+                <a:cxn ang="0">
+                  <a:pos x="connsiteX25" y="connsiteY25"/>
+                </a:cxn>
+                <a:cxn ang="0">
+                  <a:pos x="connsiteX26" y="connsiteY26"/>
+                </a:cxn>
+                <a:cxn ang="0">
+                  <a:pos x="connsiteX27" y="connsiteY27"/>
+                </a:cxn>
+                <a:cxn ang="0">
+                  <a:pos x="connsiteX28" y="connsiteY28"/>
+                </a:cxn>
+                <a:cxn ang="0">
+                  <a:pos x="connsiteX29" y="connsiteY29"/>
+                </a:cxn>
+                <a:cxn ang="0">
+                  <a:pos x="connsiteX30" y="connsiteY30"/>
+                </a:cxn>
+                <a:cxn ang="0">
+                  <a:pos x="connsiteX31" y="connsiteY31"/>
+                </a:cxn>
+                <a:cxn ang="0">
+                  <a:pos x="connsiteX32" y="connsiteY32"/>
+                </a:cxn>
+                <a:cxn ang="0">
+                  <a:pos x="connsiteX33" y="connsiteY33"/>
+                </a:cxn>
+                <a:cxn ang="0">
+                  <a:pos x="connsiteX34" y="connsiteY34"/>
+                </a:cxn>
+                <a:cxn ang="0">
+                  <a:pos x="connsiteX35" y="connsiteY35"/>
+                </a:cxn>
+                <a:cxn ang="0">
+                  <a:pos x="connsiteX36" y="connsiteY36"/>
+                </a:cxn>
+                <a:cxn ang="0">
+                  <a:pos x="connsiteX37" y="connsiteY37"/>
+                </a:cxn>
+                <a:cxn ang="0">
+                  <a:pos x="connsiteX38" y="connsiteY38"/>
+                </a:cxn>
+                <a:cxn ang="0">
+                  <a:pos x="connsiteX39" y="connsiteY39"/>
+                </a:cxn>
+                <a:cxn ang="0">
+                  <a:pos x="connsiteX40" y="connsiteY40"/>
+                </a:cxn>
+                <a:cxn ang="0">
+                  <a:pos x="connsiteX41" y="connsiteY41"/>
+                </a:cxn>
+                <a:cxn ang="0">
+                  <a:pos x="connsiteX42" y="connsiteY42"/>
+                </a:cxn>
+                <a:cxn ang="0">
+                  <a:pos x="connsiteX43" y="connsiteY43"/>
+                </a:cxn>
+                <a:cxn ang="0">
+                  <a:pos x="connsiteX44" y="connsiteY44"/>
+                </a:cxn>
+                <a:cxn ang="0">
+                  <a:pos x="connsiteX45" y="connsiteY45"/>
+                </a:cxn>
+                <a:cxn ang="0">
+                  <a:pos x="connsiteX46" y="connsiteY46"/>
+                </a:cxn>
+                <a:cxn ang="0">
+                  <a:pos x="connsiteX47" y="connsiteY47"/>
+                </a:cxn>
+                <a:cxn ang="0">
+                  <a:pos x="connsiteX48" y="connsiteY48"/>
+                </a:cxn>
+                <a:cxn ang="0">
+                  <a:pos x="connsiteX49" y="connsiteY49"/>
+                </a:cxn>
+                <a:cxn ang="0">
+                  <a:pos x="connsiteX50" y="connsiteY50"/>
+                </a:cxn>
+                <a:cxn ang="0">
+                  <a:pos x="connsiteX51" y="connsiteY51"/>
+                </a:cxn>
+                <a:cxn ang="0">
+                  <a:pos x="connsiteX52" y="connsiteY52"/>
+                </a:cxn>
+                <a:cxn ang="0">
+                  <a:pos x="connsiteX53" y="connsiteY53"/>
+                </a:cxn>
+                <a:cxn ang="0">
+                  <a:pos x="connsiteX54" y="connsiteY54"/>
+                </a:cxn>
+                <a:cxn ang="0">
+                  <a:pos x="connsiteX55" y="connsiteY55"/>
+                </a:cxn>
+                <a:cxn ang="0">
+                  <a:pos x="connsiteX56" y="connsiteY56"/>
+                </a:cxn>
+                <a:cxn ang="0">
+                  <a:pos x="connsiteX57" y="connsiteY57"/>
+                </a:cxn>
+                <a:cxn ang="0">
+                  <a:pos x="connsiteX58" y="connsiteY58"/>
+                </a:cxn>
+                <a:cxn ang="0">
+                  <a:pos x="connsiteX59" y="connsiteY59"/>
+                </a:cxn>
+                <a:cxn ang="0">
+                  <a:pos x="connsiteX60" y="connsiteY60"/>
+                </a:cxn>
+                <a:cxn ang="0">
+                  <a:pos x="connsiteX61" y="connsiteY61"/>
+                </a:cxn>
+                <a:cxn ang="0">
+                  <a:pos x="connsiteX62" y="connsiteY62"/>
+                </a:cxn>
+                <a:cxn ang="0">
+                  <a:pos x="connsiteX63" y="connsiteY63"/>
+                </a:cxn>
+              </a:cxnLst>
+              <a:rect l="l" t="t" r="r" b="b"/>
+              <a:pathLst>
+                <a:path w="5715000" h="5714999">
+                  <a:moveTo>
+                    <a:pt x="2509980" y="4439178"/>
+                  </a:moveTo>
+                  <a:lnTo>
+                    <a:pt x="2531014" y="4444587"/>
+                  </a:lnTo>
+                  <a:cubicBezTo>
+                    <a:pt x="2636472" y="4466166"/>
+                    <a:pt x="2745663" y="4477499"/>
+                    <a:pt x="2857500" y="4477499"/>
+                  </a:cubicBezTo>
+                  <a:cubicBezTo>
+                    <a:pt x="2969338" y="4477499"/>
+                    <a:pt x="3078529" y="4466166"/>
+                    <a:pt x="3183987" y="4444587"/>
+                  </a:cubicBezTo>
+                  <a:lnTo>
+                    <a:pt x="3205020" y="4439178"/>
+                  </a:lnTo>
+                  <a:lnTo>
+                    <a:pt x="2857500" y="5714999"/>
+                  </a:lnTo>
+                  <a:close/>
+                  <a:moveTo>
+                    <a:pt x="3948943" y="4052155"/>
+                  </a:moveTo>
+                  <a:lnTo>
+                    <a:pt x="4286250" y="5332167"/>
+                  </a:lnTo>
+                  <a:lnTo>
+                    <a:pt x="3347861" y="4401512"/>
+                  </a:lnTo>
+                  <a:lnTo>
+                    <a:pt x="3488077" y="4350192"/>
+                  </a:lnTo>
+                  <a:cubicBezTo>
+                    <a:pt x="3633438" y="4288709"/>
+                    <a:pt x="3767957" y="4206614"/>
+                    <a:pt x="3887970" y="4107570"/>
+                  </a:cubicBezTo>
+                  <a:close/>
+                  <a:moveTo>
+                    <a:pt x="1766057" y="4052154"/>
+                  </a:moveTo>
+                  <a:lnTo>
+                    <a:pt x="1827030" y="4107570"/>
+                  </a:lnTo>
+                  <a:cubicBezTo>
+                    <a:pt x="1947044" y="4206614"/>
+                    <a:pt x="2081563" y="4288709"/>
+                    <a:pt x="2226923" y="4350192"/>
+                  </a:cubicBezTo>
+                  <a:lnTo>
+                    <a:pt x="2367139" y="4401511"/>
+                  </a:lnTo>
+                  <a:lnTo>
+                    <a:pt x="1428749" y="5332167"/>
+                  </a:lnTo>
+                  <a:close/>
+                  <a:moveTo>
+                    <a:pt x="4401512" y="3347860"/>
+                  </a:moveTo>
+                  <a:lnTo>
+                    <a:pt x="5332166" y="4286249"/>
+                  </a:lnTo>
+                  <a:lnTo>
+                    <a:pt x="4052155" y="3948942"/>
+                  </a:lnTo>
+                  <a:lnTo>
+                    <a:pt x="4107571" y="3887970"/>
+                  </a:lnTo>
+                  <a:cubicBezTo>
+                    <a:pt x="4206615" y="3767956"/>
+                    <a:pt x="4288710" y="3633437"/>
+                    <a:pt x="4350193" y="3488076"/>
+                  </a:cubicBezTo>
+                  <a:close/>
+                  <a:moveTo>
+                    <a:pt x="1313488" y="3347859"/>
+                  </a:moveTo>
+                  <a:lnTo>
+                    <a:pt x="1364808" y="3488076"/>
+                  </a:lnTo>
+                  <a:cubicBezTo>
+                    <a:pt x="1426290" y="3633437"/>
+                    <a:pt x="1508386" y="3767956"/>
+                    <a:pt x="1607430" y="3887970"/>
+                  </a:cubicBezTo>
+                  <a:lnTo>
+                    <a:pt x="1662845" y="3948941"/>
+                  </a:lnTo>
+                  <a:lnTo>
+                    <a:pt x="382831" y="4286249"/>
+                  </a:lnTo>
+                  <a:close/>
+                  <a:moveTo>
+                    <a:pt x="4439179" y="2509980"/>
+                  </a:moveTo>
+                  <a:lnTo>
+                    <a:pt x="5715000" y="2857500"/>
+                  </a:lnTo>
+                  <a:lnTo>
+                    <a:pt x="4439179" y="3205020"/>
+                  </a:lnTo>
+                  <a:lnTo>
+                    <a:pt x="4444588" y="3183986"/>
+                  </a:lnTo>
+                  <a:cubicBezTo>
+                    <a:pt x="4466167" y="3078527"/>
+                    <a:pt x="4477500" y="2969337"/>
+                    <a:pt x="4477500" y="2857499"/>
+                  </a:cubicBezTo>
+                  <a:cubicBezTo>
+                    <a:pt x="4477500" y="2745662"/>
+                    <a:pt x="4466167" y="2636471"/>
+                    <a:pt x="4444588" y="2531013"/>
+                  </a:cubicBezTo>
+                  <a:close/>
+                  <a:moveTo>
+                    <a:pt x="1275821" y="2509980"/>
+                  </a:moveTo>
+                  <a:lnTo>
+                    <a:pt x="1270413" y="2531013"/>
+                  </a:lnTo>
+                  <a:cubicBezTo>
+                    <a:pt x="1248833" y="2636471"/>
+                    <a:pt x="1237500" y="2745662"/>
+                    <a:pt x="1237500" y="2857499"/>
+                  </a:cubicBezTo>
+                  <a:cubicBezTo>
+                    <a:pt x="1237500" y="2969337"/>
+                    <a:pt x="1248833" y="3078527"/>
+                    <a:pt x="1270413" y="3183986"/>
+                  </a:cubicBezTo>
+                  <a:lnTo>
+                    <a:pt x="1275821" y="3205020"/>
+                  </a:lnTo>
+                  <a:lnTo>
+                    <a:pt x="0" y="2857500"/>
+                  </a:lnTo>
+                  <a:close/>
+                  <a:moveTo>
+                    <a:pt x="5332166" y="1428750"/>
+                  </a:moveTo>
+                  <a:lnTo>
+                    <a:pt x="4401512" y="2367137"/>
+                  </a:lnTo>
+                  <a:lnTo>
+                    <a:pt x="4350193" y="2226922"/>
+                  </a:lnTo>
+                  <a:cubicBezTo>
+                    <a:pt x="4288710" y="2081562"/>
+                    <a:pt x="4206615" y="1947042"/>
+                    <a:pt x="4107571" y="1827029"/>
+                  </a:cubicBezTo>
+                  <a:lnTo>
+                    <a:pt x="4052155" y="1766056"/>
+                  </a:lnTo>
+                  <a:close/>
+                  <a:moveTo>
+                    <a:pt x="382832" y="1428750"/>
+                  </a:moveTo>
+                  <a:lnTo>
+                    <a:pt x="1662845" y="1766057"/>
+                  </a:lnTo>
+                  <a:lnTo>
+                    <a:pt x="1607430" y="1827029"/>
+                  </a:lnTo>
+                  <a:cubicBezTo>
+                    <a:pt x="1508386" y="1947042"/>
+                    <a:pt x="1426290" y="2081562"/>
+                    <a:pt x="1364808" y="2226922"/>
+                  </a:cubicBezTo>
+                  <a:lnTo>
+                    <a:pt x="1313488" y="2367139"/>
+                  </a:lnTo>
+                  <a:close/>
+                  <a:moveTo>
+                    <a:pt x="4286250" y="382832"/>
+                  </a:moveTo>
+                  <a:lnTo>
+                    <a:pt x="3948943" y="1662844"/>
+                  </a:lnTo>
+                  <a:lnTo>
+                    <a:pt x="3887970" y="1607429"/>
+                  </a:lnTo>
+                  <a:cubicBezTo>
+                    <a:pt x="3767957" y="1508385"/>
+                    <a:pt x="3633438" y="1426289"/>
+                    <a:pt x="3488077" y="1364807"/>
+                  </a:cubicBezTo>
+                  <a:lnTo>
+                    <a:pt x="3347861" y="1313487"/>
+                  </a:lnTo>
+                  <a:close/>
+                  <a:moveTo>
+                    <a:pt x="1428749" y="382832"/>
+                  </a:moveTo>
+                  <a:lnTo>
+                    <a:pt x="2367139" y="1313487"/>
+                  </a:lnTo>
+                  <a:lnTo>
+                    <a:pt x="2226923" y="1364807"/>
+                  </a:lnTo>
+                  <a:cubicBezTo>
+                    <a:pt x="2081563" y="1426289"/>
+                    <a:pt x="1947044" y="1508385"/>
+                    <a:pt x="1827030" y="1607429"/>
+                  </a:cubicBezTo>
+                  <a:lnTo>
+                    <a:pt x="1766057" y="1662845"/>
+                  </a:lnTo>
+                  <a:close/>
+                  <a:moveTo>
+                    <a:pt x="2857500" y="0"/>
+                  </a:moveTo>
+                  <a:lnTo>
+                    <a:pt x="3205019" y="1275820"/>
+                  </a:lnTo>
+                  <a:lnTo>
+                    <a:pt x="3183987" y="1270412"/>
+                  </a:lnTo>
+                  <a:cubicBezTo>
+                    <a:pt x="3078529" y="1248832"/>
+                    <a:pt x="2969338" y="1237499"/>
+                    <a:pt x="2857500" y="1237499"/>
+                  </a:cubicBezTo>
+                  <a:cubicBezTo>
+                    <a:pt x="2745663" y="1237499"/>
+                    <a:pt x="2636472" y="1248832"/>
+                    <a:pt x="2531014" y="1270412"/>
+                  </a:cubicBezTo>
+                  <a:lnTo>
+                    <a:pt x="2509980" y="1275820"/>
+                  </a:lnTo>
+                  <a:close/>
+                </a:path>
+              </a:pathLst>
+            </a:custGeom>
+            <a:solidFill>
+              <a:schemeClr val="bg1"/>
+            </a:solidFill>
+            <a:ln w="19050">
+              <a:noFill/>
+            </a:ln>
+          </p:spPr>
+          <p:style>
+            <a:lnRef idx="2">
+              <a:schemeClr val="accent1">
+                <a:shade val="50000"/>
+              </a:schemeClr>
+            </a:lnRef>
+            <a:fillRef idx="1">
+              <a:schemeClr val="accent1"/>
+            </a:fillRef>
+            <a:effectRef idx="0">
+              <a:schemeClr val="accent1"/>
+            </a:effectRef>
+            <a:fontRef idx="minor">
+              <a:schemeClr val="lt1"/>
+            </a:fontRef>
+          </p:style>
+          <p:txBody>
+            <a:bodyPr rtlCol="0" anchor="ctr"/>
+            <a:lstStyle/>
+            <a:p>
+              <a:pPr algn="ctr"/>
+              <a:endParaRPr lang="zh-CN" altLang="en-US"/>
+            </a:p>
+          </p:txBody>
+        </p:sp>
+        <p:sp>
+          <p:nvSpPr>
+            <p:cNvPr id="9" name="橢圓 8"/>
+            <p:cNvSpPr/>
+            <p:nvPr/>
+          </p:nvSpPr>
+          <p:spPr>
+            <a:xfrm>
+              <a:off x="4656000" y="1989000"/>
+              <a:ext cx="2880000" cy="2880000"/>
+            </a:xfrm>
+            <a:prstGeom prst="ellipse">
+              <a:avLst/>
+            </a:prstGeom>
+            <a:solidFill>
+              <a:schemeClr val="bg1"/>
+            </a:solidFill>
+            <a:ln w="19050">
+              <a:noFill/>
+            </a:ln>
+          </p:spPr>
+          <p:style>
+            <a:lnRef idx="2">
+              <a:schemeClr val="accent1">
+                <a:shade val="50000"/>
+              </a:schemeClr>
+            </a:lnRef>
+            <a:fillRef idx="1">
+              <a:schemeClr val="accent1"/>
+            </a:fillRef>
+            <a:effectRef idx="0">
+              <a:schemeClr val="accent1"/>
+            </a:effectRef>
+            <a:fontRef idx="minor">
+              <a:schemeClr val="lt1"/>
+            </a:fontRef>
+          </p:style>
+          <p:txBody>
+            <a:bodyPr rtlCol="0" anchor="ctr"/>
+            <a:lstStyle/>
+            <a:p>
+              <a:pPr algn="ctr"/>
+              <a:endParaRPr lang="zh-CN" altLang="en-US"/>
+            </a:p>
+          </p:txBody>
+        </p:sp>
+      </p:grpSp>
+      <p:sp>
+        <p:nvSpPr>
+          <p:cNvPr id="10" name="矩形 9"/>
+          <p:cNvSpPr/>
+          <p:nvPr/>
+        </p:nvSpPr>
+        <p:spPr>
+          <a:xfrm>
+            <a:off x="-1" y="0"/>
+            <a:ext cx="1976049" cy="6858000"/>
+          </a:xfrm>
+          <a:prstGeom prst="rect">
+            <a:avLst/>
+          </a:prstGeom>
+          <a:solidFill>
+            <a:srgbClr val="FFC000"/>
+          </a:solidFill>
+          <a:ln>
+            <a:noFill/>
+          </a:ln>
+        </p:spPr>
+        <p:style>
+          <a:lnRef idx="2">
+            <a:schemeClr val="accent1">
+              <a:shade val="50000"/>
+            </a:schemeClr>
+          </a:lnRef>
+          <a:fillRef idx="1">
+            <a:schemeClr val="accent1"/>
+          </a:fillRef>
+          <a:effectRef idx="0">
+            <a:schemeClr val="accent1"/>
+          </a:effectRef>
+          <a:fontRef idx="minor">
+            <a:schemeClr val="lt1"/>
+          </a:fontRef>
+        </p:style>
+        <p:txBody>
+          <a:bodyPr rtlCol="0" anchor="ctr"/>
+          <a:lstStyle/>
+          <a:p>
+            <a:pPr algn="ctr">
+              <a:lnSpc>
+                <a:spcPct val="85000"/>
+              </a:lnSpc>
+            </a:pPr>
+            <a:r>
+              <a:rPr lang="zh-TW" altLang="en-US" sz="12500" b="1" smtClean="0">
+                <a:solidFill>
+                  <a:schemeClr val="tx1"/>
+                </a:solidFill>
+                <a:latin typeface="DFKai-SB" panose="03000509000000000000" pitchFamily="65" charset="-120"/>
+                <a:ea typeface="DFKai-SB" panose="03000509000000000000" pitchFamily="65" charset="-120"/>
+              </a:rPr>
+              <a:t>和</a:t>
+            </a:r>
+            <a:endParaRPr lang="en-US" altLang="zh-TW" sz="12500" b="1" smtClean="0">
+              <a:solidFill>
+                <a:schemeClr val="tx1"/>
+              </a:solidFill>
+              <a:latin typeface="DFKai-SB" panose="03000509000000000000" pitchFamily="65" charset="-120"/>
+              <a:ea typeface="DFKai-SB" panose="03000509000000000000" pitchFamily="65" charset="-120"/>
+            </a:endParaRPr>
+          </a:p>
+          <a:p>
+            <a:pPr algn="ctr">
+              <a:lnSpc>
+                <a:spcPct val="85000"/>
+              </a:lnSpc>
+            </a:pPr>
+            <a:r>
+              <a:rPr lang="zh-TW" altLang="en-US" sz="12500" b="1" smtClean="0">
+                <a:solidFill>
+                  <a:schemeClr val="tx1"/>
+                </a:solidFill>
+                <a:latin typeface="DFKai-SB" panose="03000509000000000000" pitchFamily="65" charset="-120"/>
+                <a:ea typeface="DFKai-SB" panose="03000509000000000000" pitchFamily="65" charset="-120"/>
+              </a:rPr>
+              <a:t>平</a:t>
+            </a:r>
+            <a:endParaRPr lang="en-US" altLang="zh-TW" sz="12500" b="1" smtClean="0">
+              <a:solidFill>
+                <a:schemeClr val="tx1"/>
+              </a:solidFill>
+              <a:latin typeface="DFKai-SB" panose="03000509000000000000" pitchFamily="65" charset="-120"/>
+              <a:ea typeface="DFKai-SB" panose="03000509000000000000" pitchFamily="65" charset="-120"/>
+            </a:endParaRPr>
+          </a:p>
+          <a:p>
+            <a:pPr algn="ctr">
+              <a:lnSpc>
+                <a:spcPct val="85000"/>
+              </a:lnSpc>
+            </a:pPr>
+            <a:r>
+              <a:rPr lang="zh-TW" altLang="en-US" sz="12500" b="1" smtClean="0">
+                <a:solidFill>
+                  <a:schemeClr val="tx1"/>
+                </a:solidFill>
+                <a:latin typeface="DFKai-SB" panose="03000509000000000000" pitchFamily="65" charset="-120"/>
+                <a:ea typeface="DFKai-SB" panose="03000509000000000000" pitchFamily="65" charset="-120"/>
+              </a:rPr>
+              <a:t>建</a:t>
+            </a:r>
+            <a:endParaRPr lang="en-US" altLang="zh-TW" sz="12500" b="1" smtClean="0">
+              <a:solidFill>
+                <a:schemeClr val="tx1"/>
+              </a:solidFill>
+              <a:latin typeface="DFKai-SB" panose="03000509000000000000" pitchFamily="65" charset="-120"/>
+              <a:ea typeface="DFKai-SB" panose="03000509000000000000" pitchFamily="65" charset="-120"/>
+            </a:endParaRPr>
+          </a:p>
+          <a:p>
+            <a:pPr algn="ctr">
+              <a:lnSpc>
+                <a:spcPct val="85000"/>
+              </a:lnSpc>
+            </a:pPr>
+            <a:r>
+              <a:rPr lang="zh-TW" altLang="en-US" sz="12500" b="1" smtClean="0">
+                <a:solidFill>
+                  <a:schemeClr val="tx1"/>
+                </a:solidFill>
+                <a:latin typeface="DFKai-SB" panose="03000509000000000000" pitchFamily="65" charset="-120"/>
+                <a:ea typeface="DFKai-SB" panose="03000509000000000000" pitchFamily="65" charset="-120"/>
+              </a:rPr>
+              <a:t>國</a:t>
+            </a:r>
+            <a:endParaRPr lang="en-US" altLang="zh-TW" sz="12500" b="1" smtClean="0">
+              <a:solidFill>
+                <a:schemeClr val="tx1"/>
+              </a:solidFill>
+              <a:latin typeface="DFKai-SB" panose="03000509000000000000" pitchFamily="65" charset="-120"/>
+              <a:ea typeface="DFKai-SB" panose="03000509000000000000" pitchFamily="65" charset="-120"/>
+            </a:endParaRPr>
+          </a:p>
+        </p:txBody>
+      </p:sp>
+    </p:spTree>
+    <p:extLst>
+      <p:ext uri="{BB962C8B-B14F-4D97-AF65-F5344CB8AC3E}">
+        <p14:creationId xmlns:p14="http://schemas.microsoft.com/office/powerpoint/2010/main" val="3938973666"/>
+      </p:ext>
+    </p:extLst>
+  </p:cSld>
+  <p:clrMapOvr>
+    <a:masterClrMapping/>
+  </p:clrMapOvr>
+</p:sld>
+</file>
+
+<file path=ppt/slides/slide11.xml><?xml version="1.0" encoding="utf-8"?>
+<p:sld xmlns:a="http://schemas.openxmlformats.org/drawingml/2006/main" xmlns:r="http://schemas.openxmlformats.org/officeDocument/2006/relationships" xmlns:p="http://schemas.openxmlformats.org/presentationml/2006/main">
+  <p:cSld>
+    <p:spTree>
+      <p:nvGrpSpPr>
+        <p:cNvPr id="1" name=""/>
+        <p:cNvGrpSpPr/>
+        <p:nvPr/>
+      </p:nvGrpSpPr>
+      <p:grpSpPr>
+        <a:xfrm>
+          <a:off x="0" y="0"/>
+          <a:ext cx="0" cy="0"/>
+          <a:chOff x="0" y="0"/>
+          <a:chExt cx="0" cy="0"/>
+        </a:xfrm>
+      </p:grpSpPr>
     </p:spTree>
     <p:extLst>
       <p:ext uri="{BB962C8B-B14F-4D97-AF65-F5344CB8AC3E}">
@@ -5118,7 +6160,7 @@
 </p:sld>
 </file>
 
-<file path=ppt/slides/slide11.xml><?xml version="1.0" encoding="utf-8"?>
+<file path=ppt/slides/slide12.xml><?xml version="1.0" encoding="utf-8"?>
 <p:sld xmlns:a="http://schemas.openxmlformats.org/drawingml/2006/main" xmlns:r="http://schemas.openxmlformats.org/officeDocument/2006/relationships" xmlns:p="http://schemas.openxmlformats.org/presentationml/2006/main">
   <p:cSld>
     <p:spTree>
@@ -5914,7 +6956,7 @@
 </p:sld>
 </file>
 
-<file path=ppt/slides/slide12.xml><?xml version="1.0" encoding="utf-8"?>
+<file path=ppt/slides/slide13.xml><?xml version="1.0" encoding="utf-8"?>
 <p:sld xmlns:a="http://schemas.openxmlformats.org/drawingml/2006/main" xmlns:r="http://schemas.openxmlformats.org/officeDocument/2006/relationships" xmlns:p="http://schemas.openxmlformats.org/presentationml/2006/main">
   <p:cSld>
     <p:spTree>
@@ -6663,7 +7705,7 @@
 </p:sld>
 </file>
 
-<file path=ppt/slides/slide13.xml><?xml version="1.0" encoding="utf-8"?>
+<file path=ppt/slides/slide14.xml><?xml version="1.0" encoding="utf-8"?>
 <p:sld xmlns:a="http://schemas.openxmlformats.org/drawingml/2006/main" xmlns:r="http://schemas.openxmlformats.org/officeDocument/2006/relationships" xmlns:p="http://schemas.openxmlformats.org/presentationml/2006/main">
   <p:cSld>
     <p:spTree>
@@ -11003,7 +12045,7 @@
                 <a:latin typeface="DFKai-SB" panose="03000509000000000000" pitchFamily="65" charset="-120"/>
                 <a:ea typeface="DFKai-SB" panose="03000509000000000000" pitchFamily="65" charset="-120"/>
               </a:rPr>
-              <a:t>雲</a:t>
+              <a:t>滇</a:t>
             </a:r>
             <a:endParaRPr lang="en-US" altLang="zh-TW" sz="12500" b="1" smtClean="0">
               <a:solidFill>
@@ -11027,7 +12069,7 @@
                 <a:latin typeface="DFKai-SB" panose="03000509000000000000" pitchFamily="65" charset="-120"/>
                 <a:ea typeface="DFKai-SB" panose="03000509000000000000" pitchFamily="65" charset="-120"/>
               </a:rPr>
-              <a:t>南</a:t>
+              <a:t>黔</a:t>
             </a:r>
             <a:endParaRPr lang="en-US" altLang="zh-TW" sz="12500" b="1" smtClean="0">
               <a:solidFill>
@@ -11051,7 +12093,7 @@
                 <a:latin typeface="DFKai-SB" panose="03000509000000000000" pitchFamily="65" charset="-120"/>
                 <a:ea typeface="DFKai-SB" panose="03000509000000000000" pitchFamily="65" charset="-120"/>
               </a:rPr>
-              <a:t>行</a:t>
+              <a:t>綏</a:t>
             </a:r>
             <a:endParaRPr lang="en-US" altLang="zh-TW" sz="12500" b="1" smtClean="0">
               <a:solidFill>
@@ -11075,7 +12117,7 @@
                 <a:latin typeface="DFKai-SB" panose="03000509000000000000" pitchFamily="65" charset="-120"/>
                 <a:ea typeface="DFKai-SB" panose="03000509000000000000" pitchFamily="65" charset="-120"/>
               </a:rPr>
-              <a:t>署</a:t>
+              <a:t>靖</a:t>
             </a:r>
             <a:endParaRPr lang="en-US" altLang="zh-TW" sz="12500" b="1" smtClean="0">
               <a:solidFill>
@@ -11217,7 +12259,7 @@
                 <a:latin typeface="DFKai-SB" panose="03000509000000000000" pitchFamily="65" charset="-120"/>
                 <a:ea typeface="DFKai-SB" panose="03000509000000000000" pitchFamily="65" charset="-120"/>
               </a:rPr>
-              <a:t>兩</a:t>
+              <a:t>廣</a:t>
             </a:r>
             <a:endParaRPr lang="en-US" altLang="zh-TW" sz="12500" b="1" smtClean="0">
               <a:solidFill>
@@ -11241,9 +12283,9 @@
                 <a:latin typeface="DFKai-SB" panose="03000509000000000000" pitchFamily="65" charset="-120"/>
                 <a:ea typeface="DFKai-SB" panose="03000509000000000000" pitchFamily="65" charset="-120"/>
               </a:rPr>
-              <a:t>廣</a:t>
+              <a:t>州</a:t>
             </a:r>
-            <a:endParaRPr lang="en-US" altLang="zh-TW" sz="12500" b="1" smtClean="0">
+            <a:endParaRPr lang="en-US" altLang="zh-TW" sz="12500" b="1">
               <a:solidFill>
                 <a:schemeClr val="tx1"/>
               </a:solidFill>
@@ -11258,16 +12300,16 @@
               </a:lnSpc>
             </a:pPr>
             <a:r>
-              <a:rPr lang="zh-TW" altLang="en-US" sz="12500" b="1" smtClean="0">
+              <a:rPr lang="zh-TW" altLang="en-US" sz="12500" b="1">
                 <a:solidFill>
                   <a:schemeClr val="tx1"/>
                 </a:solidFill>
                 <a:latin typeface="DFKai-SB" panose="03000509000000000000" pitchFamily="65" charset="-120"/>
                 <a:ea typeface="DFKai-SB" panose="03000509000000000000" pitchFamily="65" charset="-120"/>
               </a:rPr>
-              <a:t>行</a:t>
+              <a:t>綏</a:t>
             </a:r>
-            <a:endParaRPr lang="en-US" altLang="zh-TW" sz="12500" b="1" smtClean="0">
+            <a:endParaRPr lang="en-US" altLang="zh-TW" sz="12500" b="1">
               <a:solidFill>
                 <a:schemeClr val="tx1"/>
               </a:solidFill>
@@ -11282,16 +12324,16 @@
               </a:lnSpc>
             </a:pPr>
             <a:r>
-              <a:rPr lang="zh-TW" altLang="en-US" sz="12500" b="1" smtClean="0">
+              <a:rPr lang="zh-TW" altLang="en-US" sz="12500" b="1">
                 <a:solidFill>
                   <a:schemeClr val="tx1"/>
                 </a:solidFill>
                 <a:latin typeface="DFKai-SB" panose="03000509000000000000" pitchFamily="65" charset="-120"/>
                 <a:ea typeface="DFKai-SB" panose="03000509000000000000" pitchFamily="65" charset="-120"/>
               </a:rPr>
-              <a:t>署</a:t>
+              <a:t>靖</a:t>
             </a:r>
-            <a:endParaRPr lang="en-US" altLang="zh-TW" sz="12500" b="1" smtClean="0">
+            <a:endParaRPr lang="en-US" altLang="zh-TW" sz="12500" b="1">
               <a:solidFill>
                 <a:schemeClr val="tx1"/>
               </a:solidFill>
@@ -12150,7 +13192,7 @@
                 <a:latin typeface="DFKai-SB" panose="03000509000000000000" pitchFamily="65" charset="-120"/>
                 <a:ea typeface="DFKai-SB" panose="03000509000000000000" pitchFamily="65" charset="-120"/>
               </a:rPr>
-              <a:t>晉陝</a:t>
+              <a:t>太</a:t>
             </a:r>
             <a:endParaRPr lang="en-US" altLang="zh-TW" sz="12500" b="1" smtClean="0">
               <a:solidFill>
@@ -12174,9 +13216,9 @@
                 <a:latin typeface="DFKai-SB" panose="03000509000000000000" pitchFamily="65" charset="-120"/>
                 <a:ea typeface="DFKai-SB" panose="03000509000000000000" pitchFamily="65" charset="-120"/>
               </a:rPr>
-              <a:t>行</a:t>
+              <a:t>原綏</a:t>
             </a:r>
-            <a:endParaRPr lang="en-US" altLang="zh-TW" sz="12500" b="1" smtClean="0">
+            <a:endParaRPr lang="en-US" altLang="zh-TW" sz="12500" b="1">
               <a:solidFill>
                 <a:schemeClr val="tx1"/>
               </a:solidFill>
@@ -12191,16 +13233,16 @@
               </a:lnSpc>
             </a:pPr>
             <a:r>
-              <a:rPr lang="zh-TW" altLang="en-US" sz="12500" b="1" smtClean="0">
+              <a:rPr lang="zh-TW" altLang="en-US" sz="12500" b="1">
                 <a:solidFill>
                   <a:schemeClr val="tx1"/>
                 </a:solidFill>
                 <a:latin typeface="DFKai-SB" panose="03000509000000000000" pitchFamily="65" charset="-120"/>
                 <a:ea typeface="DFKai-SB" panose="03000509000000000000" pitchFamily="65" charset="-120"/>
               </a:rPr>
-              <a:t>署</a:t>
+              <a:t>靖</a:t>
             </a:r>
-            <a:endParaRPr lang="en-US" altLang="zh-TW" sz="12500" b="1" smtClean="0">
+            <a:endParaRPr lang="en-US" altLang="zh-TW" sz="12500" b="1">
               <a:solidFill>
                 <a:schemeClr val="tx1"/>
               </a:solidFill>
@@ -13940,14 +14982,156 @@
       </p:sp>
       <p:sp>
         <p:nvSpPr>
-          <p:cNvPr id="6" name="矩形 5"/>
+          <p:cNvPr id="10" name="矩形 9"/>
           <p:cNvSpPr/>
           <p:nvPr/>
         </p:nvSpPr>
         <p:spPr>
           <a:xfrm>
-            <a:off x="1976050" y="0"/>
-            <a:ext cx="3431150" cy="3430800"/>
+            <a:off x="-1" y="0"/>
+            <a:ext cx="1976049" cy="6858000"/>
+          </a:xfrm>
+          <a:prstGeom prst="rect">
+            <a:avLst/>
+          </a:prstGeom>
+          <a:solidFill>
+            <a:schemeClr val="bg1"/>
+          </a:solidFill>
+          <a:ln>
+            <a:noFill/>
+          </a:ln>
+        </p:spPr>
+        <p:style>
+          <a:lnRef idx="2">
+            <a:schemeClr val="accent1">
+              <a:shade val="50000"/>
+            </a:schemeClr>
+          </a:lnRef>
+          <a:fillRef idx="1">
+            <a:schemeClr val="accent1"/>
+          </a:fillRef>
+          <a:effectRef idx="0">
+            <a:schemeClr val="accent1"/>
+          </a:effectRef>
+          <a:fontRef idx="minor">
+            <a:schemeClr val="lt1"/>
+          </a:fontRef>
+        </p:style>
+        <p:txBody>
+          <a:bodyPr rtlCol="0" anchor="ctr"/>
+          <a:lstStyle/>
+          <a:p>
+            <a:pPr algn="ctr">
+              <a:lnSpc>
+                <a:spcPct val="85000"/>
+              </a:lnSpc>
+            </a:pPr>
+            <a:r>
+              <a:rPr lang="zh-TW" altLang="en-US" sz="12500" b="1" smtClean="0">
+                <a:solidFill>
+                  <a:schemeClr val="tx1"/>
+                </a:solidFill>
+                <a:latin typeface="DFKai-SB" panose="03000509000000000000" pitchFamily="65" charset="-120"/>
+                <a:ea typeface="DFKai-SB" panose="03000509000000000000" pitchFamily="65" charset="-120"/>
+              </a:rPr>
+              <a:t>新</a:t>
+            </a:r>
+            <a:endParaRPr lang="en-US" altLang="zh-TW" sz="12500" b="1" smtClean="0">
+              <a:solidFill>
+                <a:schemeClr val="tx1"/>
+              </a:solidFill>
+              <a:latin typeface="DFKai-SB" panose="03000509000000000000" pitchFamily="65" charset="-120"/>
+              <a:ea typeface="DFKai-SB" panose="03000509000000000000" pitchFamily="65" charset="-120"/>
+            </a:endParaRPr>
+          </a:p>
+          <a:p>
+            <a:pPr algn="ctr">
+              <a:lnSpc>
+                <a:spcPct val="85000"/>
+              </a:lnSpc>
+            </a:pPr>
+            <a:endParaRPr lang="en-US" altLang="zh-TW" sz="5000" b="1" smtClean="0">
+              <a:solidFill>
+                <a:schemeClr val="tx1"/>
+              </a:solidFill>
+              <a:latin typeface="DFKai-SB" panose="03000509000000000000" pitchFamily="65" charset="-120"/>
+              <a:ea typeface="DFKai-SB" panose="03000509000000000000" pitchFamily="65" charset="-120"/>
+            </a:endParaRPr>
+          </a:p>
+          <a:p>
+            <a:pPr algn="ctr">
+              <a:lnSpc>
+                <a:spcPct val="85000"/>
+              </a:lnSpc>
+            </a:pPr>
+            <a:r>
+              <a:rPr lang="zh-TW" altLang="en-US" sz="12500" b="1" smtClean="0">
+                <a:solidFill>
+                  <a:schemeClr val="tx1"/>
+                </a:solidFill>
+                <a:latin typeface="DFKai-SB" panose="03000509000000000000" pitchFamily="65" charset="-120"/>
+                <a:ea typeface="DFKai-SB" panose="03000509000000000000" pitchFamily="65" charset="-120"/>
+              </a:rPr>
+              <a:t>疆</a:t>
+            </a:r>
+            <a:endParaRPr lang="en-US" altLang="zh-TW" sz="12500" b="1" smtClean="0">
+              <a:solidFill>
+                <a:schemeClr val="tx1"/>
+              </a:solidFill>
+              <a:latin typeface="DFKai-SB" panose="03000509000000000000" pitchFamily="65" charset="-120"/>
+              <a:ea typeface="DFKai-SB" panose="03000509000000000000" pitchFamily="65" charset="-120"/>
+            </a:endParaRPr>
+          </a:p>
+          <a:p>
+            <a:pPr algn="ctr">
+              <a:lnSpc>
+                <a:spcPct val="85000"/>
+              </a:lnSpc>
+            </a:pPr>
+            <a:endParaRPr lang="en-US" altLang="zh-TW" sz="5000" b="1" smtClean="0">
+              <a:solidFill>
+                <a:schemeClr val="tx1"/>
+              </a:solidFill>
+              <a:latin typeface="DFKai-SB" panose="03000509000000000000" pitchFamily="65" charset="-120"/>
+              <a:ea typeface="DFKai-SB" panose="03000509000000000000" pitchFamily="65" charset="-120"/>
+            </a:endParaRPr>
+          </a:p>
+          <a:p>
+            <a:pPr algn="ctr">
+              <a:lnSpc>
+                <a:spcPct val="85000"/>
+              </a:lnSpc>
+            </a:pPr>
+            <a:r>
+              <a:rPr lang="zh-TW" altLang="en-US" sz="12500" b="1" smtClean="0">
+                <a:solidFill>
+                  <a:schemeClr val="tx1"/>
+                </a:solidFill>
+                <a:latin typeface="DFKai-SB" panose="03000509000000000000" pitchFamily="65" charset="-120"/>
+                <a:ea typeface="DFKai-SB" panose="03000509000000000000" pitchFamily="65" charset="-120"/>
+              </a:rPr>
+              <a:t>省</a:t>
+            </a:r>
+            <a:endParaRPr lang="en-US" altLang="zh-TW" sz="12500" b="1" smtClean="0">
+              <a:solidFill>
+                <a:schemeClr val="tx1"/>
+              </a:solidFill>
+              <a:latin typeface="DFKai-SB" panose="03000509000000000000" pitchFamily="65" charset="-120"/>
+              <a:ea typeface="DFKai-SB" panose="03000509000000000000" pitchFamily="65" charset="-120"/>
+            </a:endParaRPr>
+          </a:p>
+        </p:txBody>
+      </p:sp>
+      <p:sp>
+        <p:nvSpPr>
+          <p:cNvPr id="11" name="矩形 10"/>
+          <p:cNvSpPr/>
+          <p:nvPr/>
+        </p:nvSpPr>
+        <p:spPr>
+          <a:xfrm>
+            <a:off x="4184649" y="1715399"/>
+            <a:ext cx="4420800" cy="3427200"/>
           </a:xfrm>
           <a:prstGeom prst="rect">
             <a:avLst/>
@@ -13986,13 +15170,13 @@
       </p:sp>
       <p:grpSp>
         <p:nvGrpSpPr>
-          <p:cNvPr id="7" name="群組 6"/>
+          <p:cNvPr id="12" name="群組 11"/>
           <p:cNvGrpSpPr/>
           <p:nvPr/>
         </p:nvGrpSpPr>
         <p:grpSpPr>
           <a:xfrm>
-            <a:off x="2392415" y="416190"/>
+            <a:off x="5095839" y="2129789"/>
             <a:ext cx="2598419" cy="2598419"/>
             <a:chOff x="3238500" y="571501"/>
             <a:chExt cx="5715000" cy="5714999"/>
@@ -14000,7 +15184,7 @@
         </p:grpSpPr>
         <p:sp>
           <p:nvSpPr>
-            <p:cNvPr id="8" name="手繪多邊形 7"/>
+            <p:cNvPr id="13" name="手繪多邊形 12"/>
             <p:cNvSpPr/>
             <p:nvPr/>
           </p:nvSpPr>
@@ -14612,7 +15796,7 @@
         </p:sp>
         <p:sp>
           <p:nvSpPr>
-            <p:cNvPr id="9" name="橢圓 8"/>
+            <p:cNvPr id="14" name="橢圓 13"/>
             <p:cNvSpPr/>
             <p:nvPr/>
           </p:nvSpPr>
@@ -14657,148 +15841,10 @@
           </p:txBody>
         </p:sp>
       </p:grpSp>
-      <p:sp>
-        <p:nvSpPr>
-          <p:cNvPr id="10" name="矩形 9"/>
-          <p:cNvSpPr/>
-          <p:nvPr/>
-        </p:nvSpPr>
-        <p:spPr>
-          <a:xfrm>
-            <a:off x="-1" y="0"/>
-            <a:ext cx="1976049" cy="6858000"/>
-          </a:xfrm>
-          <a:prstGeom prst="rect">
-            <a:avLst/>
-          </a:prstGeom>
-          <a:solidFill>
-            <a:srgbClr val="FFC000"/>
-          </a:solidFill>
-          <a:ln>
-            <a:noFill/>
-          </a:ln>
-        </p:spPr>
-        <p:style>
-          <a:lnRef idx="2">
-            <a:schemeClr val="accent1">
-              <a:shade val="50000"/>
-            </a:schemeClr>
-          </a:lnRef>
-          <a:fillRef idx="1">
-            <a:schemeClr val="accent1"/>
-          </a:fillRef>
-          <a:effectRef idx="0">
-            <a:schemeClr val="accent1"/>
-          </a:effectRef>
-          <a:fontRef idx="minor">
-            <a:schemeClr val="lt1"/>
-          </a:fontRef>
-        </p:style>
-        <p:txBody>
-          <a:bodyPr rtlCol="0" anchor="ctr"/>
-          <a:lstStyle/>
-          <a:p>
-            <a:pPr algn="ctr">
-              <a:lnSpc>
-                <a:spcPct val="85000"/>
-              </a:lnSpc>
-            </a:pPr>
-            <a:r>
-              <a:rPr lang="zh-TW" altLang="en-US" sz="12500" b="1" smtClean="0">
-                <a:solidFill>
-                  <a:schemeClr val="tx1"/>
-                </a:solidFill>
-                <a:latin typeface="DFKai-SB" panose="03000509000000000000" pitchFamily="65" charset="-120"/>
-                <a:ea typeface="DFKai-SB" panose="03000509000000000000" pitchFamily="65" charset="-120"/>
-              </a:rPr>
-              <a:t>和</a:t>
-            </a:r>
-            <a:endParaRPr lang="en-US" altLang="zh-TW" sz="12500" b="1" smtClean="0">
-              <a:solidFill>
-                <a:schemeClr val="tx1"/>
-              </a:solidFill>
-              <a:latin typeface="DFKai-SB" panose="03000509000000000000" pitchFamily="65" charset="-120"/>
-              <a:ea typeface="DFKai-SB" panose="03000509000000000000" pitchFamily="65" charset="-120"/>
-            </a:endParaRPr>
-          </a:p>
-          <a:p>
-            <a:pPr algn="ctr">
-              <a:lnSpc>
-                <a:spcPct val="85000"/>
-              </a:lnSpc>
-            </a:pPr>
-            <a:r>
-              <a:rPr lang="zh-TW" altLang="en-US" sz="12500" b="1" smtClean="0">
-                <a:solidFill>
-                  <a:schemeClr val="tx1"/>
-                </a:solidFill>
-                <a:latin typeface="DFKai-SB" panose="03000509000000000000" pitchFamily="65" charset="-120"/>
-                <a:ea typeface="DFKai-SB" panose="03000509000000000000" pitchFamily="65" charset="-120"/>
-              </a:rPr>
-              <a:t>平</a:t>
-            </a:r>
-            <a:endParaRPr lang="en-US" altLang="zh-TW" sz="12500" b="1" smtClean="0">
-              <a:solidFill>
-                <a:schemeClr val="tx1"/>
-              </a:solidFill>
-              <a:latin typeface="DFKai-SB" panose="03000509000000000000" pitchFamily="65" charset="-120"/>
-              <a:ea typeface="DFKai-SB" panose="03000509000000000000" pitchFamily="65" charset="-120"/>
-            </a:endParaRPr>
-          </a:p>
-          <a:p>
-            <a:pPr algn="ctr">
-              <a:lnSpc>
-                <a:spcPct val="85000"/>
-              </a:lnSpc>
-            </a:pPr>
-            <a:r>
-              <a:rPr lang="zh-TW" altLang="en-US" sz="12500" b="1" smtClean="0">
-                <a:solidFill>
-                  <a:schemeClr val="tx1"/>
-                </a:solidFill>
-                <a:latin typeface="DFKai-SB" panose="03000509000000000000" pitchFamily="65" charset="-120"/>
-                <a:ea typeface="DFKai-SB" panose="03000509000000000000" pitchFamily="65" charset="-120"/>
-              </a:rPr>
-              <a:t>建</a:t>
-            </a:r>
-            <a:endParaRPr lang="en-US" altLang="zh-TW" sz="12500" b="1" smtClean="0">
-              <a:solidFill>
-                <a:schemeClr val="tx1"/>
-              </a:solidFill>
-              <a:latin typeface="DFKai-SB" panose="03000509000000000000" pitchFamily="65" charset="-120"/>
-              <a:ea typeface="DFKai-SB" panose="03000509000000000000" pitchFamily="65" charset="-120"/>
-            </a:endParaRPr>
-          </a:p>
-          <a:p>
-            <a:pPr algn="ctr">
-              <a:lnSpc>
-                <a:spcPct val="85000"/>
-              </a:lnSpc>
-            </a:pPr>
-            <a:r>
-              <a:rPr lang="zh-TW" altLang="en-US" sz="12500" b="1" smtClean="0">
-                <a:solidFill>
-                  <a:schemeClr val="tx1"/>
-                </a:solidFill>
-                <a:latin typeface="DFKai-SB" panose="03000509000000000000" pitchFamily="65" charset="-120"/>
-                <a:ea typeface="DFKai-SB" panose="03000509000000000000" pitchFamily="65" charset="-120"/>
-              </a:rPr>
-              <a:t>國</a:t>
-            </a:r>
-            <a:endParaRPr lang="en-US" altLang="zh-TW" sz="12500" b="1" smtClean="0">
-              <a:solidFill>
-                <a:schemeClr val="tx1"/>
-              </a:solidFill>
-              <a:latin typeface="DFKai-SB" panose="03000509000000000000" pitchFamily="65" charset="-120"/>
-              <a:ea typeface="DFKai-SB" panose="03000509000000000000" pitchFamily="65" charset="-120"/>
-            </a:endParaRPr>
-          </a:p>
-        </p:txBody>
-      </p:sp>
     </p:spTree>
     <p:extLst>
       <p:ext uri="{BB962C8B-B14F-4D97-AF65-F5344CB8AC3E}">
-        <p14:creationId xmlns:p14="http://schemas.microsoft.com/office/powerpoint/2010/main" val="3938973666"/>
+        <p14:creationId xmlns:p14="http://schemas.microsoft.com/office/powerpoint/2010/main" val="1003625293"/>
       </p:ext>
     </p:extLst>
   </p:cSld>
